--- a/vodafone.pptx
+++ b/vodafone.pptx
@@ -1919,7 +1919,7 @@
           <a:p>
             <a:fld id="{D330DE34-5D2A-4C6D-A048-DD2ED677713C}" type="datetimeFigureOut">
               <a:rPr lang="en-US" smtClean="0"/>
-              <a:t>1/24/2016</a:t>
+              <a:t>12/8/2016</a:t>
             </a:fld>
             <a:endParaRPr lang="en-US"/>
           </a:p>
@@ -2100,7 +2100,7 @@
           <a:p>
             <a:fld id="{D330DE34-5D2A-4C6D-A048-DD2ED677713C}" type="datetimeFigureOut">
               <a:rPr lang="en-US" smtClean="0"/>
-              <a:t>1/24/2016</a:t>
+              <a:t>12/8/2016</a:t>
             </a:fld>
             <a:endParaRPr lang="en-US"/>
           </a:p>
@@ -2251,7 +2251,7 @@
           <a:p>
             <a:fld id="{D330DE34-5D2A-4C6D-A048-DD2ED677713C}" type="datetimeFigureOut">
               <a:rPr lang="en-US" smtClean="0"/>
-              <a:t>1/24/2016</a:t>
+              <a:t>12/8/2016</a:t>
             </a:fld>
             <a:endParaRPr lang="en-US"/>
           </a:p>
@@ -4077,7 +4077,7 @@
           <a:p>
             <a:fld id="{D330DE34-5D2A-4C6D-A048-DD2ED677713C}" type="datetimeFigureOut">
               <a:rPr lang="en-US" smtClean="0"/>
-              <a:t>1/24/2016</a:t>
+              <a:t>12/8/2016</a:t>
             </a:fld>
             <a:endParaRPr lang="en-US"/>
           </a:p>
@@ -5947,7 +5947,7 @@
           <a:p>
             <a:fld id="{D330DE34-5D2A-4C6D-A048-DD2ED677713C}" type="datetimeFigureOut">
               <a:rPr lang="en-US" smtClean="0"/>
-              <a:t>1/24/2016</a:t>
+              <a:t>12/8/2016</a:t>
             </a:fld>
             <a:endParaRPr lang="en-US"/>
           </a:p>
@@ -6060,7 +6060,7 @@
           <a:p>
             <a:fld id="{D330DE34-5D2A-4C6D-A048-DD2ED677713C}" type="datetimeFigureOut">
               <a:rPr lang="en-US" smtClean="0"/>
-              <a:t>1/24/2016</a:t>
+              <a:t>12/8/2016</a:t>
             </a:fld>
             <a:endParaRPr lang="en-US"/>
           </a:p>
@@ -6601,7 +6601,7 @@
           <a:p>
             <a:fld id="{D330DE34-5D2A-4C6D-A048-DD2ED677713C}" type="datetimeFigureOut">
               <a:rPr lang="en-US" smtClean="0"/>
-              <a:t>1/24/2016</a:t>
+              <a:t>12/8/2016</a:t>
             </a:fld>
             <a:endParaRPr lang="en-US"/>
           </a:p>
@@ -6714,7 +6714,7 @@
           <a:p>
             <a:fld id="{D330DE34-5D2A-4C6D-A048-DD2ED677713C}" type="datetimeFigureOut">
               <a:rPr lang="en-US" smtClean="0"/>
-              <a:t>1/24/2016</a:t>
+              <a:t>12/8/2016</a:t>
             </a:fld>
             <a:endParaRPr lang="en-US"/>
           </a:p>
@@ -8425,7 +8425,7 @@
           <a:p>
             <a:fld id="{D330DE34-5D2A-4C6D-A048-DD2ED677713C}" type="datetimeFigureOut">
               <a:rPr lang="en-US" smtClean="0"/>
-              <a:t>1/24/2016</a:t>
+              <a:t>12/8/2016</a:t>
             </a:fld>
             <a:endParaRPr lang="en-US"/>
           </a:p>
@@ -8576,7 +8576,7 @@
           <a:p>
             <a:fld id="{D330DE34-5D2A-4C6D-A048-DD2ED677713C}" type="datetimeFigureOut">
               <a:rPr lang="en-US" smtClean="0"/>
-              <a:t>1/24/2016</a:t>
+              <a:t>12/8/2016</a:t>
             </a:fld>
             <a:endParaRPr lang="en-US"/>
           </a:p>
@@ -12191,7 +12191,7 @@
           <a:p>
             <a:fld id="{D330DE34-5D2A-4C6D-A048-DD2ED677713C}" type="datetimeFigureOut">
               <a:rPr lang="en-US" smtClean="0"/>
-              <a:t>1/24/2016</a:t>
+              <a:t>12/8/2016</a:t>
             </a:fld>
             <a:endParaRPr lang="en-US"/>
           </a:p>
@@ -14050,7 +14050,7 @@
           <a:p>
             <a:fld id="{D330DE34-5D2A-4C6D-A048-DD2ED677713C}" type="datetimeFigureOut">
               <a:rPr lang="en-US" smtClean="0"/>
-              <a:t>1/24/2016</a:t>
+              <a:t>12/8/2016</a:t>
             </a:fld>
             <a:endParaRPr lang="en-US"/>
           </a:p>
@@ -14680,12 +14680,20 @@
           </a:p>
           <a:p>
             <a:r>
-              <a:rPr lang="en-US" sz="2400" dirty="0" smtClean="0">
+              <a:rPr lang="en-US" sz="2400" smtClean="0">
                 <a:solidFill>
                   <a:schemeClr val="tx1"/>
                 </a:solidFill>
               </a:rPr>
-              <a:t>Group no.3</a:t>
+              <a:t>Group </a:t>
+            </a:r>
+            <a:r>
+              <a:rPr lang="en-US" sz="2400" smtClean="0">
+                <a:solidFill>
+                  <a:schemeClr val="tx1"/>
+                </a:solidFill>
+              </a:rPr>
+              <a:t>no.4</a:t>
             </a:r>
             <a:endParaRPr lang="en-US" sz="2400" dirty="0">
               <a:solidFill>
